--- a/events/2020-04-16/03-net.pptx
+++ b/events/2020-04-16/03-net.pptx
@@ -5,12 +5,13 @@
     <p:sldMasterId id="2147483660" r:id="rId1"/>
   </p:sldMasterIdLst>
   <p:notesMasterIdLst>
-    <p:notesMasterId r:id="rId5"/>
+    <p:notesMasterId r:id="rId6"/>
   </p:notesMasterIdLst>
   <p:sldIdLst>
     <p:sldId id="256" r:id="rId2"/>
     <p:sldId id="379" r:id="rId3"/>
     <p:sldId id="371" r:id="rId4"/>
+    <p:sldId id="380" r:id="rId5"/>
   </p:sldIdLst>
   <p:sldSz cx="9144000" cy="6858000" type="screen4x3"/>
   <p:notesSz cx="6858000" cy="9144000"/>
@@ -52237,7 +52238,7 @@
         </p:spPr>
         <p:txBody>
           <a:bodyPr>
-            <a:normAutofit/>
+            <a:normAutofit fontScale="90000"/>
           </a:bodyPr>
           <a:lstStyle/>
           <a:p>
@@ -52254,7 +52255,24 @@
             </a:br>
             <a:r>
               <a:rPr lang="ja-JP" altLang="en-US" dirty="0" smtClean="0"/>
-              <a:t>ネットワーク環境支援ついて</a:t>
+              <a:t>ネットワーク環境支援</a:t>
+            </a:r>
+            <a:r>
+              <a:rPr lang="ja-JP" altLang="en-US" dirty="0" smtClean="0"/>
+              <a:t>ついて</a:t>
+            </a:r>
+            <a:r>
+              <a:rPr lang="en-US" altLang="ja-JP" dirty="0" smtClean="0"/>
+              <a:t/>
+            </a:r>
+            <a:br>
+              <a:rPr lang="en-US" altLang="ja-JP" dirty="0" smtClean="0"/>
+            </a:br>
+            <a:r>
+              <a:rPr lang="en-US" altLang="ja-JP" dirty="0" smtClean="0">
+                <a:hlinkClick r:id="rId2"/>
+              </a:rPr>
+              <a:t> https://utelecon.github.io/mobile/</a:t>
             </a:r>
             <a:endParaRPr kumimoji="1" lang="ja-JP" altLang="en-US" dirty="0"/>
           </a:p>
@@ -52563,42 +52581,78 @@
           </a:p>
           <a:p>
             <a:r>
-              <a:rPr lang="ja-JP" altLang="en-US" smtClean="0"/>
+              <a:rPr lang="ja-JP" altLang="en-US" dirty="0" smtClean="0"/>
               <a:t>締め切り </a:t>
             </a:r>
             <a:r>
-              <a:rPr lang="en-US" altLang="ja-JP" smtClean="0"/>
+              <a:rPr lang="en-US" altLang="ja-JP" dirty="0" smtClean="0">
+                <a:solidFill>
+                  <a:srgbClr val="FF0000"/>
+                </a:solidFill>
+              </a:rPr>
               <a:t>4</a:t>
             </a:r>
             <a:r>
-              <a:rPr lang="ja-JP" altLang="en-US" dirty="0" smtClean="0"/>
+              <a:rPr lang="ja-JP" altLang="en-US" dirty="0" smtClean="0">
+                <a:solidFill>
+                  <a:srgbClr val="FF0000"/>
+                </a:solidFill>
+              </a:rPr>
               <a:t>月</a:t>
             </a:r>
             <a:r>
-              <a:rPr lang="en-US" altLang="ja-JP" dirty="0" smtClean="0"/>
+              <a:rPr lang="en-US" altLang="ja-JP" dirty="0" smtClean="0">
+                <a:solidFill>
+                  <a:srgbClr val="FF0000"/>
+                </a:solidFill>
+              </a:rPr>
               <a:t>21</a:t>
             </a:r>
             <a:r>
-              <a:rPr lang="ja-JP" altLang="en-US" dirty="0" smtClean="0"/>
+              <a:rPr lang="ja-JP" altLang="en-US" dirty="0" smtClean="0">
+                <a:solidFill>
+                  <a:srgbClr val="FF0000"/>
+                </a:solidFill>
+              </a:rPr>
               <a:t>日（火曜日）</a:t>
             </a:r>
             <a:r>
-              <a:rPr lang="en-US" altLang="ja-JP" dirty="0" smtClean="0"/>
+              <a:rPr lang="en-US" altLang="ja-JP" dirty="0" smtClean="0">
+                <a:solidFill>
+                  <a:srgbClr val="FF0000"/>
+                </a:solidFill>
+              </a:rPr>
               <a:t>23</a:t>
             </a:r>
             <a:r>
-              <a:rPr lang="ja-JP" altLang="en-US" dirty="0" smtClean="0"/>
+              <a:rPr lang="ja-JP" altLang="en-US" dirty="0" smtClean="0">
+                <a:solidFill>
+                  <a:srgbClr val="FF0000"/>
+                </a:solidFill>
+              </a:rPr>
               <a:t>時</a:t>
             </a:r>
             <a:r>
-              <a:rPr lang="en-US" altLang="ja-JP" dirty="0" smtClean="0"/>
+              <a:rPr lang="en-US" altLang="ja-JP" dirty="0" smtClean="0">
+                <a:solidFill>
+                  <a:srgbClr val="FF0000"/>
+                </a:solidFill>
+              </a:rPr>
               <a:t>59</a:t>
             </a:r>
             <a:r>
-              <a:rPr lang="ja-JP" altLang="en-US" dirty="0" smtClean="0"/>
+              <a:rPr lang="ja-JP" altLang="en-US" dirty="0" smtClean="0">
+                <a:solidFill>
+                  <a:srgbClr val="FF0000"/>
+                </a:solidFill>
+              </a:rPr>
               <a:t>分</a:t>
             </a:r>
-            <a:endParaRPr lang="en-US" altLang="ja-JP" dirty="0" smtClean="0"/>
+            <a:endParaRPr lang="en-US" altLang="ja-JP" dirty="0" smtClean="0">
+              <a:solidFill>
+                <a:srgbClr val="FF0000"/>
+              </a:solidFill>
+            </a:endParaRPr>
           </a:p>
           <a:p>
             <a:r>
@@ -52752,6 +52806,224 @@
               <a:rPr kumimoji="1" lang="ja-JP" altLang="en-US" smtClean="0"/>
               <a:pPr/>
               <a:t>3</a:t>
+            </a:fld>
+            <a:endParaRPr kumimoji="1" lang="ja-JP" altLang="en-US"/>
+          </a:p>
+        </p:txBody>
+      </p:sp>
+    </p:spTree>
+  </p:cSld>
+  <p:clrMapOvr>
+    <a:masterClrMapping/>
+  </p:clrMapOvr>
+</p:sld>
+</file>
+
+<file path=ppt/slides/slide4.xml><?xml version="1.0" encoding="utf-8"?>
+<p:sld xmlns:a="http://schemas.openxmlformats.org/drawingml/2006/main" xmlns:r="http://schemas.openxmlformats.org/officeDocument/2006/relationships" xmlns:p="http://schemas.openxmlformats.org/presentationml/2006/main">
+  <p:cSld>
+    <p:spTree>
+      <p:nvGrpSpPr>
+        <p:cNvPr id="1" name=""/>
+        <p:cNvGrpSpPr/>
+        <p:nvPr/>
+      </p:nvGrpSpPr>
+      <p:grpSpPr>
+        <a:xfrm>
+          <a:off x="0" y="0"/>
+          <a:ext cx="0" cy="0"/>
+          <a:chOff x="0" y="0"/>
+          <a:chExt cx="0" cy="0"/>
+        </a:xfrm>
+      </p:grpSpPr>
+      <p:sp>
+        <p:nvSpPr>
+          <p:cNvPr id="2" name="タイトル 1"/>
+          <p:cNvSpPr>
+            <a:spLocks noGrp="1"/>
+          </p:cNvSpPr>
+          <p:nvPr>
+            <p:ph type="title"/>
+          </p:nvPr>
+        </p:nvSpPr>
+        <p:spPr/>
+        <p:txBody>
+          <a:bodyPr/>
+          <a:lstStyle/>
+          <a:p>
+            <a:r>
+              <a:rPr lang="ja-JP" altLang="en-US" dirty="0" smtClean="0"/>
+              <a:t>その他のオプション</a:t>
+            </a:r>
+            <a:endParaRPr kumimoji="1" lang="ja-JP" altLang="en-US" dirty="0"/>
+          </a:p>
+        </p:txBody>
+      </p:sp>
+      <p:sp>
+        <p:nvSpPr>
+          <p:cNvPr id="3" name="コンテンツ プレースホルダ 2"/>
+          <p:cNvSpPr>
+            <a:spLocks noGrp="1"/>
+          </p:cNvSpPr>
+          <p:nvPr>
+            <p:ph idx="1"/>
+          </p:nvPr>
+        </p:nvSpPr>
+        <p:spPr/>
+        <p:txBody>
+          <a:bodyPr/>
+          <a:lstStyle/>
+          <a:p>
+            <a:r>
+              <a:rPr lang="ja-JP" altLang="en-US" dirty="0" smtClean="0"/>
+              <a:t>携帯</a:t>
+            </a:r>
+            <a:r>
+              <a:rPr lang="en-US" altLang="ja-JP" dirty="0" smtClean="0"/>
+              <a:t>3</a:t>
+            </a:r>
+            <a:r>
+              <a:rPr lang="ja-JP" altLang="en-US" dirty="0" smtClean="0"/>
+              <a:t>社 データ</a:t>
+            </a:r>
+            <a:r>
+              <a:rPr lang="ja-JP" altLang="en-US" dirty="0" smtClean="0"/>
+              <a:t>通信料を一部無償化</a:t>
+            </a:r>
+            <a:r>
+              <a:rPr lang="en-US" altLang="ja-JP" dirty="0" smtClean="0">
+                <a:hlinkClick r:id="rId2"/>
+              </a:rPr>
+              <a:t>https</a:t>
+            </a:r>
+            <a:r>
+              <a:rPr lang="en-US" altLang="ja-JP" dirty="0" smtClean="0">
+                <a:hlinkClick r:id="rId2"/>
+              </a:rPr>
+              <a:t>://www.nikkei.com/article/DGXMZO57666150T00C20A4EA1000</a:t>
+            </a:r>
+            <a:r>
+              <a:rPr lang="en-US" altLang="ja-JP" dirty="0" smtClean="0">
+                <a:hlinkClick r:id="rId2"/>
+              </a:rPr>
+              <a:t>/</a:t>
+            </a:r>
+            <a:endParaRPr lang="en-US" altLang="ja-JP" dirty="0" smtClean="0"/>
+          </a:p>
+          <a:p>
+            <a:pPr lvl="1"/>
+            <a:r>
+              <a:rPr lang="ja-JP" altLang="en-US" dirty="0" smtClean="0"/>
+              <a:t>現状のアナウンス：</a:t>
+            </a:r>
+            <a:r>
+              <a:rPr lang="en-US" altLang="ja-JP" dirty="0" smtClean="0"/>
+              <a:t>25</a:t>
+            </a:r>
+            <a:r>
+              <a:rPr lang="ja-JP" altLang="en-US" dirty="0" smtClean="0"/>
+              <a:t>歳以下</a:t>
+            </a:r>
+            <a:r>
+              <a:rPr lang="en-US" altLang="ja-JP" smtClean="0"/>
+              <a:t>, 4</a:t>
+            </a:r>
+            <a:r>
+              <a:rPr lang="ja-JP" altLang="en-US" dirty="0" smtClean="0"/>
+              <a:t>月または</a:t>
+            </a:r>
+            <a:r>
+              <a:rPr lang="en-US" altLang="ja-JP" dirty="0" smtClean="0"/>
+              <a:t>5</a:t>
+            </a:r>
+            <a:r>
+              <a:rPr lang="ja-JP" altLang="en-US" dirty="0" smtClean="0"/>
+              <a:t>月末まで</a:t>
+            </a:r>
+            <a:endParaRPr lang="en-US" altLang="ja-JP" dirty="0" smtClean="0"/>
+          </a:p>
+          <a:p>
+            <a:r>
+              <a:rPr lang="ja-JP" altLang="en-US" dirty="0" smtClean="0"/>
+              <a:t>学部・研究科で独自の</a:t>
+            </a:r>
+            <a:r>
+              <a:rPr lang="ja-JP" altLang="en-US" dirty="0" smtClean="0"/>
+              <a:t>プログラムが</a:t>
+            </a:r>
+            <a:r>
+              <a:rPr lang="ja-JP" altLang="en-US" dirty="0" smtClean="0"/>
+              <a:t>ある場合もあるのでそちらも調べてください</a:t>
+            </a:r>
+            <a:endParaRPr kumimoji="1" lang="ja-JP" altLang="en-US" dirty="0"/>
+          </a:p>
+        </p:txBody>
+      </p:sp>
+      <p:sp>
+        <p:nvSpPr>
+          <p:cNvPr id="4" name="日付プレースホルダ 3"/>
+          <p:cNvSpPr>
+            <a:spLocks noGrp="1"/>
+          </p:cNvSpPr>
+          <p:nvPr>
+            <p:ph type="dt" sz="half" idx="10"/>
+          </p:nvPr>
+        </p:nvSpPr>
+        <p:spPr/>
+        <p:txBody>
+          <a:bodyPr/>
+          <a:lstStyle/>
+          <a:p>
+            <a:r>
+              <a:rPr kumimoji="1" lang="en-US" altLang="ja-JP" smtClean="0"/>
+              <a:t>2020/4/16</a:t>
+            </a:r>
+            <a:endParaRPr kumimoji="1" lang="ja-JP" altLang="en-US"/>
+          </a:p>
+        </p:txBody>
+      </p:sp>
+      <p:sp>
+        <p:nvSpPr>
+          <p:cNvPr id="5" name="フッター プレースホルダ 4"/>
+          <p:cNvSpPr>
+            <a:spLocks noGrp="1"/>
+          </p:cNvSpPr>
+          <p:nvPr>
+            <p:ph type="ftr" sz="quarter" idx="11"/>
+          </p:nvPr>
+        </p:nvSpPr>
+        <p:spPr/>
+        <p:txBody>
+          <a:bodyPr/>
+          <a:lstStyle/>
+          <a:p>
+            <a:r>
+              <a:rPr kumimoji="1" lang="en-US" altLang="ja-JP" smtClean="0"/>
+              <a:t>utelecon.github.io</a:t>
+            </a:r>
+            <a:endParaRPr kumimoji="1" lang="ja-JP" altLang="en-US"/>
+          </a:p>
+        </p:txBody>
+      </p:sp>
+      <p:sp>
+        <p:nvSpPr>
+          <p:cNvPr id="6" name="スライド番号プレースホルダ 5"/>
+          <p:cNvSpPr>
+            <a:spLocks noGrp="1"/>
+          </p:cNvSpPr>
+          <p:nvPr>
+            <p:ph type="sldNum" sz="quarter" idx="12"/>
+          </p:nvPr>
+        </p:nvSpPr>
+        <p:spPr/>
+        <p:txBody>
+          <a:bodyPr/>
+          <a:lstStyle/>
+          <a:p>
+            <a:fld id="{EDF77D8D-9987-453A-9A05-EB91CA595C68}" type="slidenum">
+              <a:rPr kumimoji="1" lang="ja-JP" altLang="en-US" smtClean="0"/>
+              <a:pPr/>
+              <a:t>4</a:t>
             </a:fld>
             <a:endParaRPr kumimoji="1" lang="ja-JP" altLang="en-US"/>
           </a:p>
